--- a/Al-Saffar - Proposal - 1.0 Presentation.pptx
+++ b/Al-Saffar - Proposal - 1.0 Presentation.pptx
@@ -249,7 +249,7 @@
             <a:fld id="{5EE16272-617E-4DAF-98A7-1E249FC6E62B}" type="datetimeFigureOut">
               <a:rPr lang="en-US" smtClean="0"/>
               <a:pPr/>
-              <a:t>2/6/2021</a:t>
+              <a:t>9/25/2021</a:t>
             </a:fld>
             <a:endParaRPr lang="en-US" dirty="0"/>
           </a:p>
@@ -1448,7 +1448,7 @@
             <a:fld id="{036888AC-FB0C-48C5-9546-BFA209E1C0B0}" type="datetimeFigureOut">
               <a:rPr lang="en-US" smtClean="0"/>
               <a:pPr/>
-              <a:t>2/6/2021</a:t>
+              <a:t>9/25/2021</a:t>
             </a:fld>
             <a:endParaRPr lang="en-US" dirty="0"/>
           </a:p>
@@ -2146,7 +2146,7 @@
             <a:fld id="{036888AC-FB0C-48C5-9546-BFA209E1C0B0}" type="datetimeFigureOut">
               <a:rPr lang="en-US" smtClean="0"/>
               <a:pPr/>
-              <a:t>2/6/2021</a:t>
+              <a:t>9/25/2021</a:t>
             </a:fld>
             <a:endParaRPr lang="en-US" dirty="0"/>
           </a:p>
@@ -2433,7 +2433,7 @@
             <a:fld id="{036888AC-FB0C-48C5-9546-BFA209E1C0B0}" type="datetimeFigureOut">
               <a:rPr lang="en-US" smtClean="0"/>
               <a:pPr/>
-              <a:t>2/6/2021</a:t>
+              <a:t>9/25/2021</a:t>
             </a:fld>
             <a:endParaRPr lang="en-US" dirty="0"/>
           </a:p>
@@ -2854,7 +2854,7 @@
             <a:fld id="{036888AC-FB0C-48C5-9546-BFA209E1C0B0}" type="datetimeFigureOut">
               <a:rPr lang="en-US" smtClean="0"/>
               <a:pPr/>
-              <a:t>2/6/2021</a:t>
+              <a:t>9/25/2021</a:t>
             </a:fld>
             <a:endParaRPr lang="en-US" dirty="0"/>
           </a:p>
@@ -2973,7 +2973,7 @@
             <a:fld id="{036888AC-FB0C-48C5-9546-BFA209E1C0B0}" type="datetimeFigureOut">
               <a:rPr lang="en-US" smtClean="0"/>
               <a:pPr/>
-              <a:t>2/6/2021</a:t>
+              <a:t>9/25/2021</a:t>
             </a:fld>
             <a:endParaRPr lang="en-US" dirty="0"/>
           </a:p>
@@ -3070,7 +3070,7 @@
             <a:fld id="{036888AC-FB0C-48C5-9546-BFA209E1C0B0}" type="datetimeFigureOut">
               <a:rPr lang="en-US" smtClean="0"/>
               <a:pPr/>
-              <a:t>2/6/2021</a:t>
+              <a:t>9/25/2021</a:t>
             </a:fld>
             <a:endParaRPr lang="en-US" dirty="0"/>
           </a:p>
@@ -3347,7 +3347,7 @@
             <a:fld id="{036888AC-FB0C-48C5-9546-BFA209E1C0B0}" type="datetimeFigureOut">
               <a:rPr lang="en-US" smtClean="0"/>
               <a:pPr/>
-              <a:t>2/6/2021</a:t>
+              <a:t>9/25/2021</a:t>
             </a:fld>
             <a:endParaRPr lang="en-US" dirty="0"/>
           </a:p>
@@ -3601,7 +3601,7 @@
             <a:fld id="{036888AC-FB0C-48C5-9546-BFA209E1C0B0}" type="datetimeFigureOut">
               <a:rPr lang="en-US" smtClean="0"/>
               <a:pPr/>
-              <a:t>2/6/2021</a:t>
+              <a:t>9/25/2021</a:t>
             </a:fld>
             <a:endParaRPr lang="en-US" dirty="0"/>
           </a:p>
@@ -4189,7 +4189,7 @@
             <a:fld id="{036888AC-FB0C-48C5-9546-BFA209E1C0B0}" type="datetimeFigureOut">
               <a:rPr lang="en-US" smtClean="0"/>
               <a:pPr/>
-              <a:t>2/6/2021</a:t>
+              <a:t>9/25/2021</a:t>
             </a:fld>
             <a:endParaRPr lang="en-US" dirty="0"/>
           </a:p>
@@ -4369,7 +4369,7 @@
             <a:fld id="{036888AC-FB0C-48C5-9546-BFA209E1C0B0}" type="datetimeFigureOut">
               <a:rPr lang="en-US" smtClean="0"/>
               <a:pPr/>
-              <a:t>2/6/2021</a:t>
+              <a:t>9/25/2021</a:t>
             </a:fld>
             <a:endParaRPr lang="en-US" dirty="0"/>
           </a:p>
@@ -7018,7 +7018,7 @@
             <a:fld id="{036888AC-FB0C-48C5-9546-BFA209E1C0B0}" type="datetimeFigureOut">
               <a:rPr lang="en-US" smtClean="0"/>
               <a:pPr/>
-              <a:t>2/6/2021</a:t>
+              <a:t>9/25/2021</a:t>
             </a:fld>
             <a:endParaRPr lang="en-US" dirty="0"/>
           </a:p>
@@ -7437,9 +7437,14 @@
           <a:p>
             <a:pPr algn="ctr"/>
             <a:r>
-              <a:rPr lang="en-US" sz="3600" dirty="0"/>
-              <a:t>AL-SAFFAR</a:t>
-            </a:r>
+              <a:rPr lang="en-US" sz="3600" dirty="0" smtClean="0"/>
+              <a:t>AL-</a:t>
+            </a:r>
+            <a:r>
+              <a:rPr lang="en-US" sz="3600" smtClean="0"/>
+              <a:t>SasdasdasdasAFFAR</a:t>
+            </a:r>
+            <a:endParaRPr lang="en-US" sz="3600" dirty="0"/>
           </a:p>
         </p:txBody>
       </p:sp>
@@ -8262,7 +8267,7 @@
           <p:cNvPr id="10" name="Content Placeholder 9">
             <a:extLst>
               <a:ext uri="{FF2B5EF4-FFF2-40B4-BE49-F238E27FC236}">
-                <a16:creationId xmlns:a16="http://schemas.microsoft.com/office/drawing/2014/main" id="{E4F59FEB-842B-400F-B779-A7E47724CE0D}"/>
+                <a16:creationId xmlns:a16="http://schemas.microsoft.com/office/drawing/2014/main" xmlns="" id="{E4F59FEB-842B-400F-B779-A7E47724CE0D}"/>
               </a:ext>
             </a:extLst>
           </p:cNvPr>
@@ -11443,7 +11448,7 @@
           <p:cNvPr id="8" name="Picture 7">
             <a:extLst>
               <a:ext uri="{FF2B5EF4-FFF2-40B4-BE49-F238E27FC236}">
-                <a16:creationId xmlns:a16="http://schemas.microsoft.com/office/drawing/2014/main" id="{5752C66F-5594-4D9E-A5DF-AE90F8C2DA63}"/>
+                <a16:creationId xmlns:a16="http://schemas.microsoft.com/office/drawing/2014/main" xmlns="" id="{5752C66F-5594-4D9E-A5DF-AE90F8C2DA63}"/>
               </a:ext>
             </a:extLst>
           </p:cNvPr>

--- a/Al-Saffar - Proposal - 1.0 Presentation.pptx
+++ b/Al-Saffar - Proposal - 1.0 Presentation.pptx
@@ -7438,11 +7438,15 @@
             <a:pPr algn="ctr"/>
             <a:r>
               <a:rPr lang="en-US" sz="3600" dirty="0" smtClean="0"/>
-              <a:t>AL-</a:t>
+              <a:t>New Branch </a:t>
+            </a:r>
+            <a:r>
+              <a:rPr lang="en-US" sz="3600" dirty="0" err="1" smtClean="0"/>
+              <a:t>Wali</a:t>
             </a:r>
             <a:r>
               <a:rPr lang="en-US" sz="3600" smtClean="0"/>
-              <a:t>SasdasdasdasAFFAR</a:t>
+              <a:t> File</a:t>
             </a:r>
             <a:endParaRPr lang="en-US" sz="3600" dirty="0"/>
           </a:p>
@@ -8267,7 +8271,7 @@
           <p:cNvPr id="10" name="Content Placeholder 9">
             <a:extLst>
               <a:ext uri="{FF2B5EF4-FFF2-40B4-BE49-F238E27FC236}">
-                <a16:creationId xmlns:a16="http://schemas.microsoft.com/office/drawing/2014/main" xmlns="" id="{E4F59FEB-842B-400F-B779-A7E47724CE0D}"/>
+                <a16:creationId xmlns="" xmlns:a16="http://schemas.microsoft.com/office/drawing/2014/main" id="{E4F59FEB-842B-400F-B779-A7E47724CE0D}"/>
               </a:ext>
             </a:extLst>
           </p:cNvPr>
@@ -11448,7 +11452,7 @@
           <p:cNvPr id="8" name="Picture 7">
             <a:extLst>
               <a:ext uri="{FF2B5EF4-FFF2-40B4-BE49-F238E27FC236}">
-                <a16:creationId xmlns:a16="http://schemas.microsoft.com/office/drawing/2014/main" xmlns="" id="{5752C66F-5594-4D9E-A5DF-AE90F8C2DA63}"/>
+                <a16:creationId xmlns="" xmlns:a16="http://schemas.microsoft.com/office/drawing/2014/main" id="{5752C66F-5594-4D9E-A5DF-AE90F8C2DA63}"/>
               </a:ext>
             </a:extLst>
           </p:cNvPr>
